--- a/O3651-8 Setting up your on-premises environment for app development/O3651-8 Setting up your on-premises environment for app development.pptx
+++ b/O3651-8 Setting up your on-premises environment for app development/O3651-8 Setting up your on-premises environment for app development.pptx
@@ -354,7 +354,7 @@
           <a:p>
             <a:fld id="{DE219B1A-AE41-483B-A766-69B9363DDA6A}" type="datetimeFigureOut">
               <a:rPr lang="en-US" smtClean="0"/>
-              <a:t>9/12/2014</a:t>
+              <a:t>9/22/2014</a:t>
             </a:fld>
             <a:endParaRPr lang="en-US"/>
           </a:p>
@@ -636,7 +636,7 @@
           <a:p>
             <a:fld id="{D51B1278-D92B-4AF3-A9C1-71DD298190CE}" type="datetimeFigureOut">
               <a:rPr lang="en-US" smtClean="0"/>
-              <a:t>9/12/2014</a:t>
+              <a:t>9/22/2014</a:t>
             </a:fld>
             <a:endParaRPr lang="en-US"/>
           </a:p>
@@ -1221,7 +1221,7 @@
           <a:p>
             <a:fld id="{CA454356-7988-4E39-B534-EC35F7CCC11C}" type="datetime1">
               <a:rPr lang="en-US" smtClean="0"/>
-              <a:t>9/12/2014</a:t>
+              <a:t>9/22/2014</a:t>
             </a:fld>
             <a:endParaRPr lang="en-US"/>
           </a:p>
@@ -1431,7 +1431,7 @@
           <a:p>
             <a:fld id="{8C3D3F17-9065-4B2A-80EA-09A3A0159250}" type="datetime1">
               <a:rPr lang="en-US" smtClean="0"/>
-              <a:t>9/12/2014</a:t>
+              <a:t>9/22/2014</a:t>
             </a:fld>
             <a:endParaRPr lang="en-US"/>
           </a:p>
@@ -1788,7 +1788,7 @@
           <a:p>
             <a:fld id="{B079C3B8-7366-4A44-A34B-3977080C19E7}" type="datetime1">
               <a:rPr lang="en-US" smtClean="0"/>
-              <a:t>9/12/2014</a:t>
+              <a:t>9/22/2014</a:t>
             </a:fld>
             <a:endParaRPr lang="en-US" dirty="0"/>
           </a:p>
@@ -2030,7 +2030,7 @@
           <a:p>
             <a:fld id="{0BB6559B-C68D-49B4-97AE-9BB74C417927}" type="datetime1">
               <a:rPr lang="en-US" smtClean="0"/>
-              <a:t>9/12/2014</a:t>
+              <a:t>9/22/2014</a:t>
             </a:fld>
             <a:endParaRPr lang="en-US"/>
           </a:p>
@@ -2288,7 +2288,7 @@
           <a:p>
             <a:fld id="{B079C3B8-7366-4A44-A34B-3977080C19E7}" type="datetime1">
               <a:rPr lang="en-US" smtClean="0"/>
-              <a:t>9/12/2014</a:t>
+              <a:t>9/22/2014</a:t>
             </a:fld>
             <a:endParaRPr lang="en-US" dirty="0"/>
           </a:p>
@@ -2419,7 +2419,7 @@
           <a:p>
             <a:fld id="{35A2105E-80AA-4B38-BA9C-D7E35197D8BA}" type="datetime1">
               <a:rPr lang="en-US" smtClean="0"/>
-              <a:t>9/12/2014</a:t>
+              <a:t>9/22/2014</a:t>
             </a:fld>
             <a:endParaRPr lang="en-US"/>
           </a:p>
@@ -2631,7 +2631,7 @@
           <a:p>
             <a:fld id="{4692986F-2699-409F-8A21-4F1A3E24BE62}" type="datetime1">
               <a:rPr lang="en-US" smtClean="0"/>
-              <a:t>9/12/2014</a:t>
+              <a:t>9/22/2014</a:t>
             </a:fld>
             <a:endParaRPr lang="en-US"/>
           </a:p>
@@ -17425,7 +17425,7 @@
                 <a:gridCol w="11225057">
                   <a:extLst>
                     <a:ext uri="{9D8B030D-6E8A-4147-A177-3AD203B41FA5}">
-                      <a16:colId xmlns:a16="http://schemas.microsoft.com/office/drawing/2014/main" xmlns="" val="1253488153"/>
+                      <a16:colId xmlns="" xmlns:a16="http://schemas.microsoft.com/office/drawing/2014/main" val="1253488153"/>
                     </a:ext>
                   </a:extLst>
                 </a:gridCol>
@@ -17447,7 +17447,7 @@
                 </a:tc>
                 <a:extLst>
                   <a:ext uri="{0D108BD9-81ED-4DB2-BD59-A6C34878D82A}">
-                    <a16:rowId xmlns:a16="http://schemas.microsoft.com/office/drawing/2014/main" xmlns="" val="829859176"/>
+                    <a16:rowId xmlns="" xmlns:a16="http://schemas.microsoft.com/office/drawing/2014/main" val="829859176"/>
                   </a:ext>
                 </a:extLst>
               </a:tr>
@@ -17467,7 +17467,7 @@
                 </a:tc>
                 <a:extLst>
                   <a:ext uri="{0D108BD9-81ED-4DB2-BD59-A6C34878D82A}">
-                    <a16:rowId xmlns:a16="http://schemas.microsoft.com/office/drawing/2014/main" xmlns="" val="1946132611"/>
+                    <a16:rowId xmlns="" xmlns:a16="http://schemas.microsoft.com/office/drawing/2014/main" val="1946132611"/>
                   </a:ext>
                 </a:extLst>
               </a:tr>
@@ -17509,7 +17509,7 @@
                 </a:tc>
                 <a:extLst>
                   <a:ext uri="{0D108BD9-81ED-4DB2-BD59-A6C34878D82A}">
-                    <a16:rowId xmlns:a16="http://schemas.microsoft.com/office/drawing/2014/main" xmlns="" val="3204002662"/>
+                    <a16:rowId xmlns="" xmlns:a16="http://schemas.microsoft.com/office/drawing/2014/main" val="3204002662"/>
                   </a:ext>
                 </a:extLst>
               </a:tr>
@@ -17546,7 +17546,7 @@
                 </a:tc>
                 <a:extLst>
                   <a:ext uri="{0D108BD9-81ED-4DB2-BD59-A6C34878D82A}">
-                    <a16:rowId xmlns:a16="http://schemas.microsoft.com/office/drawing/2014/main" xmlns="" val="4266278162"/>
+                    <a16:rowId xmlns="" xmlns:a16="http://schemas.microsoft.com/office/drawing/2014/main" val="4266278162"/>
                   </a:ext>
                 </a:extLst>
               </a:tr>
@@ -31425,46 +31425,52 @@
           <a:lstStyle/>
           <a:p>
             <a:r>
-              <a:rPr lang="en-US" dirty="0" smtClean="0"/>
+              <a:rPr lang="en-US" sz="3600" dirty="0" smtClean="0"/>
               <a:t>Office 2013 with SP1</a:t>
             </a:r>
           </a:p>
           <a:p>
             <a:r>
-              <a:rPr lang="en-US" dirty="0" smtClean="0"/>
+              <a:rPr lang="en-US" sz="3600" dirty="0" smtClean="0"/>
               <a:t>Visual Studio 2013</a:t>
             </a:r>
           </a:p>
           <a:p>
             <a:r>
-              <a:rPr lang="en-US" dirty="0" smtClean="0"/>
+              <a:rPr lang="en-US" sz="3600" dirty="0" smtClean="0"/>
               <a:t>	Visual Studio updates</a:t>
             </a:r>
           </a:p>
           <a:p>
             <a:r>
-              <a:rPr lang="en-US" dirty="0" smtClean="0"/>
+              <a:rPr lang="en-US" sz="3600" dirty="0" smtClean="0"/>
               <a:t>	Office </a:t>
             </a:r>
             <a:r>
-              <a:rPr lang="en-US" dirty="0"/>
+              <a:rPr lang="en-US" sz="3600" dirty="0"/>
               <a:t>Developer Tools for Visual Studio </a:t>
             </a:r>
             <a:r>
-              <a:rPr lang="en-US" dirty="0" smtClean="0"/>
+              <a:rPr lang="en-US" sz="3600" dirty="0" smtClean="0"/>
               <a:t>2013</a:t>
             </a:r>
           </a:p>
           <a:p>
             <a:r>
-              <a:rPr lang="en-US" dirty="0"/>
-              <a:t>Exchange 2013 (mail apps only</a:t>
-            </a:r>
-            <a:r>
-              <a:rPr lang="en-US" dirty="0" smtClean="0"/>
-              <a:t>)</a:t>
-            </a:r>
-            <a:endParaRPr lang="en-US" dirty="0"/>
+              <a:rPr lang="en-US" sz="3600" dirty="0"/>
+              <a:t>Exchange 2013 </a:t>
+            </a:r>
+            <a:r>
+              <a:rPr lang="en-US" sz="3600" dirty="0" smtClean="0"/>
+              <a:t>required for mail app development</a:t>
+            </a:r>
+            <a:endParaRPr lang="en-US" sz="3600" dirty="0"/>
+          </a:p>
+          <a:p>
+            <a:r>
+              <a:rPr lang="en-US" sz="3600" dirty="0" smtClean="0"/>
+              <a:t>	Exchange 2013 SP1 required for compose mail apps</a:t>
+            </a:r>
           </a:p>
         </p:txBody>
       </p:sp>
@@ -32684,21 +32690,12 @@
 </file>
 
 <file path=customXml/item1.xml><?xml version="1.0" encoding="utf-8"?>
-<?mso-contentType ?>
-<FormTemplates xmlns="http://schemas.microsoft.com/sharepoint/v3/contenttype/forms">
-  <Display>DocumentLibraryForm</Display>
-  <Edit>DocumentLibraryForm</Edit>
-  <New>DocumentLibraryForm</New>
-</FormTemplates>
-</file>
-
-<file path=customXml/item2.xml><?xml version="1.0" encoding="utf-8"?>
 <p:properties xmlns:p="http://schemas.microsoft.com/office/2006/metadata/properties" xmlns:xsi="http://www.w3.org/2001/XMLSchema-instance" xmlns:pc="http://schemas.microsoft.com/office/infopath/2007/PartnerControls">
   <documentManagement/>
 </p:properties>
 </file>
 
-<file path=customXml/item3.xml><?xml version="1.0" encoding="utf-8"?>
+<file path=customXml/item2.xml><?xml version="1.0" encoding="utf-8"?>
 <ct:contentTypeSchema xmlns:ct="http://schemas.microsoft.com/office/2006/metadata/contentType" xmlns:ma="http://schemas.microsoft.com/office/2006/metadata/properties/metaAttributes" ct:_="" ma:_="" ma:contentTypeName="Document" ma:contentTypeID="0x010100A2E4C90AA7333249A7DBC8CC6F49919B" ma:contentTypeVersion="1" ma:contentTypeDescription="Create a new document." ma:contentTypeScope="" ma:versionID="e7b09f0f38d7ed30c7da14951e97abcc">
   <xsd:schema xmlns:xsd="http://www.w3.org/2001/XMLSchema" xmlns:xs="http://www.w3.org/2001/XMLSchema" xmlns:p="http://schemas.microsoft.com/office/2006/metadata/properties" xmlns:ns2="5fad15d0-477e-40da-a20d-40d4ca777cbd" targetNamespace="http://schemas.microsoft.com/office/2006/metadata/properties" ma:root="true" ma:fieldsID="0cee24db179c30c5ebec40b677cadf70" ns2:_="">
     <xsd:import namespace="5fad15d0-477e-40da-a20d-40d4ca777cbd"/>
@@ -32838,15 +32835,16 @@
 </ct:contentTypeSchema>
 </file>
 
-<file path=customXml/itemProps1.xml><?xml version="1.0" encoding="utf-8"?>
-<ds:datastoreItem xmlns:ds="http://schemas.openxmlformats.org/officeDocument/2006/customXml" ds:itemID="{E1E0CE18-CA03-4891-9CD8-3448778E3D53}">
-  <ds:schemaRefs>
-    <ds:schemaRef ds:uri="http://schemas.microsoft.com/sharepoint/v3/contenttype/forms"/>
-  </ds:schemaRefs>
-</ds:datastoreItem>
+<file path=customXml/item3.xml><?xml version="1.0" encoding="utf-8"?>
+<?mso-contentType ?>
+<FormTemplates xmlns="http://schemas.microsoft.com/sharepoint/v3/contenttype/forms">
+  <Display>DocumentLibraryForm</Display>
+  <Edit>DocumentLibraryForm</Edit>
+  <New>DocumentLibraryForm</New>
+</FormTemplates>
 </file>
 
-<file path=customXml/itemProps2.xml><?xml version="1.0" encoding="utf-8"?>
+<file path=customXml/itemProps1.xml><?xml version="1.0" encoding="utf-8"?>
 <ds:datastoreItem xmlns:ds="http://schemas.openxmlformats.org/officeDocument/2006/customXml" ds:itemID="{DA593625-DB14-4FB0-B5A9-3269FA9C120B}">
   <ds:schemaRefs>
     <ds:schemaRef ds:uri="http://schemas.microsoft.com/office/2006/documentManagement/types"/>
@@ -32862,7 +32860,7 @@
 </ds:datastoreItem>
 </file>
 
-<file path=customXml/itemProps3.xml><?xml version="1.0" encoding="utf-8"?>
+<file path=customXml/itemProps2.xml><?xml version="1.0" encoding="utf-8"?>
 <ds:datastoreItem xmlns:ds="http://schemas.openxmlformats.org/officeDocument/2006/customXml" ds:itemID="{F17DCE38-6787-497B-B958-75817420EB1E}">
   <ds:schemaRefs>
     <ds:schemaRef ds:uri="http://schemas.microsoft.com/office/2006/metadata/contentType"/>
@@ -32878,4 +32876,12 @@
     <ds:schemaRef ds:uri="http://schemas.microsoft.com/internal/obd"/>
   </ds:schemaRefs>
 </ds:datastoreItem>
+</file>
+
+<file path=customXml/itemProps3.xml><?xml version="1.0" encoding="utf-8"?>
+<ds:datastoreItem xmlns:ds="http://schemas.openxmlformats.org/officeDocument/2006/customXml" ds:itemID="{E1E0CE18-CA03-4891-9CD8-3448778E3D53}">
+  <ds:schemaRefs>
+    <ds:schemaRef ds:uri="http://schemas.microsoft.com/sharepoint/v3/contenttype/forms"/>
+  </ds:schemaRefs>
+</ds:datastoreItem>
 </file>